--- a/Daily Agendas/Day10.4_OsConceptMap.pptx
+++ b/Daily Agendas/Day10.4_OsConceptMap.pptx
@@ -304,7 +304,7 @@
             <a:fld id="{1D8BD707-D9CF-40AE-B4C6-C98DA3205C09}" type="datetimeFigureOut">
               <a:rPr lang="en-US" smtClean="0"/>
               <a:pPr/>
-              <a:t>11/7/2018</a:t>
+              <a:t>11/8/2018</a:t>
             </a:fld>
             <a:endParaRPr lang="en-US"/>
           </a:p>
@@ -469,7 +469,7 @@
             <a:fld id="{1D8BD707-D9CF-40AE-B4C6-C98DA3205C09}" type="datetimeFigureOut">
               <a:rPr lang="en-US" smtClean="0"/>
               <a:pPr/>
-              <a:t>11/7/2018</a:t>
+              <a:t>11/8/2018</a:t>
             </a:fld>
             <a:endParaRPr lang="en-US"/>
           </a:p>
@@ -644,7 +644,7 @@
             <a:fld id="{1D8BD707-D9CF-40AE-B4C6-C98DA3205C09}" type="datetimeFigureOut">
               <a:rPr lang="en-US" smtClean="0"/>
               <a:pPr/>
-              <a:t>11/7/2018</a:t>
+              <a:t>11/8/2018</a:t>
             </a:fld>
             <a:endParaRPr lang="en-US"/>
           </a:p>
@@ -809,7 +809,7 @@
             <a:fld id="{1D8BD707-D9CF-40AE-B4C6-C98DA3205C09}" type="datetimeFigureOut">
               <a:rPr lang="en-US" smtClean="0"/>
               <a:pPr/>
-              <a:t>11/7/2018</a:t>
+              <a:t>11/8/2018</a:t>
             </a:fld>
             <a:endParaRPr lang="en-US"/>
           </a:p>
@@ -1051,7 +1051,7 @@
             <a:fld id="{1D8BD707-D9CF-40AE-B4C6-C98DA3205C09}" type="datetimeFigureOut">
               <a:rPr lang="en-US" smtClean="0"/>
               <a:pPr/>
-              <a:t>11/7/2018</a:t>
+              <a:t>11/8/2018</a:t>
             </a:fld>
             <a:endParaRPr lang="en-US"/>
           </a:p>
@@ -1333,7 +1333,7 @@
             <a:fld id="{1D8BD707-D9CF-40AE-B4C6-C98DA3205C09}" type="datetimeFigureOut">
               <a:rPr lang="en-US" smtClean="0"/>
               <a:pPr/>
-              <a:t>11/7/2018</a:t>
+              <a:t>11/8/2018</a:t>
             </a:fld>
             <a:endParaRPr lang="en-US"/>
           </a:p>
@@ -1749,7 +1749,7 @@
             <a:fld id="{1D8BD707-D9CF-40AE-B4C6-C98DA3205C09}" type="datetimeFigureOut">
               <a:rPr lang="en-US" smtClean="0"/>
               <a:pPr/>
-              <a:t>11/7/2018</a:t>
+              <a:t>11/8/2018</a:t>
             </a:fld>
             <a:endParaRPr lang="en-US"/>
           </a:p>
@@ -1863,7 +1863,7 @@
             <a:fld id="{1D8BD707-D9CF-40AE-B4C6-C98DA3205C09}" type="datetimeFigureOut">
               <a:rPr lang="en-US" smtClean="0"/>
               <a:pPr/>
-              <a:t>11/7/2018</a:t>
+              <a:t>11/8/2018</a:t>
             </a:fld>
             <a:endParaRPr lang="en-US"/>
           </a:p>
@@ -1955,7 +1955,7 @@
             <a:fld id="{1D8BD707-D9CF-40AE-B4C6-C98DA3205C09}" type="datetimeFigureOut">
               <a:rPr lang="en-US" smtClean="0"/>
               <a:pPr/>
-              <a:t>11/7/2018</a:t>
+              <a:t>11/8/2018</a:t>
             </a:fld>
             <a:endParaRPr lang="en-US"/>
           </a:p>
@@ -2227,7 +2227,7 @@
             <a:fld id="{1D8BD707-D9CF-40AE-B4C6-C98DA3205C09}" type="datetimeFigureOut">
               <a:rPr lang="en-US" smtClean="0"/>
               <a:pPr/>
-              <a:t>11/7/2018</a:t>
+              <a:t>11/8/2018</a:t>
             </a:fld>
             <a:endParaRPr lang="en-US"/>
           </a:p>
@@ -2476,7 +2476,7 @@
             <a:fld id="{1D8BD707-D9CF-40AE-B4C6-C98DA3205C09}" type="datetimeFigureOut">
               <a:rPr lang="en-US" smtClean="0"/>
               <a:pPr/>
-              <a:t>11/7/2018</a:t>
+              <a:t>11/8/2018</a:t>
             </a:fld>
             <a:endParaRPr lang="en-US"/>
           </a:p>
@@ -2684,7 +2684,7 @@
             <a:fld id="{1D8BD707-D9CF-40AE-B4C6-C98DA3205C09}" type="datetimeFigureOut">
               <a:rPr lang="en-US" smtClean="0"/>
               <a:pPr/>
-              <a:t>11/7/2018</a:t>
+              <a:t>11/8/2018</a:t>
             </a:fld>
             <a:endParaRPr lang="en-US"/>
           </a:p>
@@ -3074,19 +3074,7 @@
           <a:p>
             <a:r>
               <a:rPr lang="en-US" dirty="0" smtClean="0"/>
-              <a:t>OS Concept Map – </a:t>
-            </a:r>
-            <a:r>
-              <a:rPr lang="en-US" dirty="0" smtClean="0"/>
-              <a:t>Nov </a:t>
-            </a:r>
-            <a:r>
-              <a:rPr lang="en-US" dirty="0" smtClean="0"/>
-              <a:t>08</a:t>
-            </a:r>
-            <a:r>
-              <a:rPr lang="en-US" dirty="0" smtClean="0"/>
-              <a:t/>
+              <a:t>OS Concept Map – Nov 08</a:t>
             </a:r>
             <a:br>
               <a:rPr lang="en-US" dirty="0" smtClean="0"/>
@@ -3221,15 +3209,23 @@
           <a:lstStyle/>
           <a:p>
             <a:r>
-              <a:rPr lang="en-US" dirty="0" smtClean="0"/>
-              <a:t>Midterm Day 2 – Nov 07</a:t>
-            </a:r>
-            <a:r>
-              <a:rPr lang="en-US" dirty="0"/>
+              <a:rPr lang="en-US" sz="4000" dirty="0" smtClean="0"/>
+              <a:t>Software Development Lifecycle – </a:t>
+            </a:r>
+            <a:r>
+              <a:rPr lang="en-US" sz="4000" dirty="0" smtClean="0"/>
+              <a:t>Nov </a:t>
+            </a:r>
+            <a:r>
+              <a:rPr lang="en-US" sz="4000" dirty="0" smtClean="0"/>
+              <a:t>08</a:t>
+            </a:r>
+            <a:r>
+              <a:rPr lang="en-US" sz="4000" dirty="0"/>
               <a:t/>
             </a:r>
             <a:br>
-              <a:rPr lang="en-US" dirty="0"/>
+              <a:rPr lang="en-US" sz="4000" dirty="0"/>
             </a:br>
             <a:r>
               <a:rPr lang="en-US" sz="3600" dirty="0" smtClean="0"/>
@@ -3265,37 +3261,42 @@
           <a:p>
             <a:pPr lvl="1"/>
             <a:r>
-              <a:rPr lang="en-US" dirty="0"/>
-              <a:t>Day </a:t>
-            </a:r>
-            <a:r>
               <a:rPr lang="en-US" dirty="0" smtClean="0"/>
-              <a:t>2 </a:t>
-            </a:r>
-            <a:r>
-              <a:rPr lang="en-US" dirty="0"/>
-              <a:t>– Short Answer</a:t>
-            </a:r>
+              <a:t>Module D.2 – </a:t>
+            </a:r>
+            <a:r>
+              <a:rPr lang="en-US" dirty="0" err="1" smtClean="0"/>
+              <a:t>TicTacToe</a:t>
+            </a:r>
+            <a:r>
+              <a:rPr lang="en-US" dirty="0" smtClean="0"/>
+              <a:t> Lifecycle</a:t>
+            </a:r>
+            <a:endParaRPr lang="en-US" dirty="0"/>
           </a:p>
           <a:p>
             <a:pPr lvl="2"/>
             <a:r>
               <a:rPr lang="en-US" dirty="0" smtClean="0"/>
-              <a:t>8 Questions (Out of 9)</a:t>
-            </a:r>
+              <a:t>Introduction to the SDL</a:t>
+            </a:r>
+            <a:endParaRPr lang="en-US" dirty="0" smtClean="0"/>
           </a:p>
           <a:p>
             <a:pPr lvl="2"/>
             <a:r>
               <a:rPr lang="en-US" dirty="0" smtClean="0"/>
-              <a:t>Complete Today</a:t>
-            </a:r>
-          </a:p>
-          <a:p>
-            <a:pPr lvl="2"/>
+              <a:t>Level 1 – Definitions (Today/Tomorrow)</a:t>
+            </a:r>
+            <a:endParaRPr lang="en-US" dirty="0" smtClean="0"/>
+          </a:p>
+          <a:p>
+            <a:pPr marL="914400" lvl="2" indent="0">
+              <a:buNone/>
+            </a:pPr>
             <a:r>
               <a:rPr lang="en-US" dirty="0" smtClean="0"/>
-              <a:t>Upload Answers to your Repository</a:t>
+              <a:t/>
             </a:r>
             <a:br>
               <a:rPr lang="en-US" dirty="0" smtClean="0"/>
@@ -3311,8 +3312,8 @@
           <a:p>
             <a:pPr lvl="1"/>
             <a:r>
-              <a:rPr lang="en-CA" smtClean="0"/>
-              <a:t>T.B.D.</a:t>
+              <a:rPr lang="en-CA" dirty="0" smtClean="0"/>
+              <a:t>Next Week: Module D.2 Level 2 &amp; 3</a:t>
             </a:r>
             <a:endParaRPr lang="en-US" dirty="0"/>
           </a:p>
